--- a/Topic 2/Лекция Техн обраб временных рядов.pptx
+++ b/Topic 2/Лекция Техн обраб временных рядов.pptx
@@ -5,7 +5,7 @@
     <p:sldMasterId id="2147483648" r:id="rId1"/>
   </p:sldMasterIdLst>
   <p:notesMasterIdLst>
-    <p:notesMasterId r:id="rId40"/>
+    <p:notesMasterId r:id="rId44"/>
   </p:notesMasterIdLst>
   <p:sldIdLst>
     <p:sldId id="256" r:id="rId2"/>
@@ -37,15 +37,19 @@
     <p:sldId id="315" r:id="rId28"/>
     <p:sldId id="316" r:id="rId29"/>
     <p:sldId id="312" r:id="rId30"/>
-    <p:sldId id="271" r:id="rId31"/>
-    <p:sldId id="313" r:id="rId32"/>
-    <p:sldId id="270" r:id="rId33"/>
-    <p:sldId id="272" r:id="rId34"/>
-    <p:sldId id="273" r:id="rId35"/>
-    <p:sldId id="278" r:id="rId36"/>
-    <p:sldId id="314" r:id="rId37"/>
-    <p:sldId id="259" r:id="rId38"/>
-    <p:sldId id="260" r:id="rId39"/>
+    <p:sldId id="317" r:id="rId31"/>
+    <p:sldId id="318" r:id="rId32"/>
+    <p:sldId id="320" r:id="rId33"/>
+    <p:sldId id="319" r:id="rId34"/>
+    <p:sldId id="271" r:id="rId35"/>
+    <p:sldId id="313" r:id="rId36"/>
+    <p:sldId id="270" r:id="rId37"/>
+    <p:sldId id="272" r:id="rId38"/>
+    <p:sldId id="273" r:id="rId39"/>
+    <p:sldId id="278" r:id="rId40"/>
+    <p:sldId id="314" r:id="rId41"/>
+    <p:sldId id="259" r:id="rId42"/>
+    <p:sldId id="260" r:id="rId43"/>
   </p:sldIdLst>
   <p:sldSz cx="9144000" cy="6858000" type="screen4x3"/>
   <p:notesSz cx="6858000" cy="9144000"/>
@@ -8560,7 +8564,7 @@
           <a:p>
             <a:fld id="{AAF3EAA4-AD9A-46D6-9C18-39AED2AD8DAE}" type="datetimeFigureOut">
               <a:rPr lang="ru-RU" smtClean="0"/>
-              <a:t>17.09.2021</a:t>
+              <a:t>23.09.2021</a:t>
             </a:fld>
             <a:endParaRPr lang="ru-RU"/>
           </a:p>
@@ -8976,7 +8980,7 @@
           <a:p>
             <a:fld id="{CC5D995B-B287-4EB2-A84B-6C04CBD215CB}" type="datetime1">
               <a:rPr lang="ru-RU" smtClean="0"/>
-              <a:t>17.09.2021</a:t>
+              <a:t>23.09.2021</a:t>
             </a:fld>
             <a:endParaRPr lang="ru-RU"/>
           </a:p>
@@ -9366,7 +9370,7 @@
           <a:p>
             <a:fld id="{7FFBBDB3-A02B-48A1-A5E8-1A19011DB606}" type="datetime1">
               <a:rPr lang="ru-RU" smtClean="0"/>
-              <a:t>17.09.2021</a:t>
+              <a:t>23.09.2021</a:t>
             </a:fld>
             <a:endParaRPr lang="ru-RU"/>
           </a:p>
@@ -9564,7 +9568,7 @@
           <a:p>
             <a:fld id="{0590EA78-0767-4149-A8E0-25488BC1FECB}" type="datetime1">
               <a:rPr lang="ru-RU" smtClean="0"/>
-              <a:t>17.09.2021</a:t>
+              <a:t>23.09.2021</a:t>
             </a:fld>
             <a:endParaRPr lang="ru-RU"/>
           </a:p>
@@ -9772,7 +9776,7 @@
           <a:p>
             <a:fld id="{DEAC8C53-BE49-42BD-A657-2F2271EA9112}" type="datetime1">
               <a:rPr lang="ru-RU" smtClean="0"/>
-              <a:t>17.09.2021</a:t>
+              <a:t>23.09.2021</a:t>
             </a:fld>
             <a:endParaRPr lang="ru-RU"/>
           </a:p>
@@ -9984,7 +9988,7 @@
           <a:p>
             <a:fld id="{D4A76787-54DF-46BC-8388-E7A3FF7DAE8C}" type="datetime1">
               <a:rPr lang="ru-RU" smtClean="0"/>
-              <a:t>17.09.2021</a:t>
+              <a:t>23.09.2021</a:t>
             </a:fld>
             <a:endParaRPr lang="ru-RU"/>
           </a:p>
@@ -10202,7 +10206,7 @@
           <a:p>
             <a:fld id="{D4A76787-54DF-46BC-8388-E7A3FF7DAE8C}" type="datetime1">
               <a:rPr lang="ru-RU" smtClean="0"/>
-              <a:t>17.09.2021</a:t>
+              <a:t>23.09.2021</a:t>
             </a:fld>
             <a:endParaRPr lang="ru-RU"/>
           </a:p>
@@ -10393,7 +10397,7 @@
           <a:p>
             <a:fld id="{B8BA66E2-A675-48BE-86D4-6572616C10C9}" type="datetime1">
               <a:rPr lang="ru-RU" smtClean="0"/>
-              <a:t>17.09.2021</a:t>
+              <a:t>23.09.2021</a:t>
             </a:fld>
             <a:endParaRPr lang="ru-RU"/>
           </a:p>
@@ -10506,7 +10510,7 @@
           <a:p>
             <a:fld id="{DCBA2B04-F2E8-450E-981B-3AC1477916BF}" type="datetime1">
               <a:rPr lang="ru-RU" smtClean="0"/>
-              <a:t>17.09.2021</a:t>
+              <a:t>23.09.2021</a:t>
             </a:fld>
             <a:endParaRPr lang="ru-RU"/>
           </a:p>
@@ -10999,7 +11003,7 @@
           <a:p>
             <a:fld id="{2EA1072D-5B46-4C9F-A163-D721818AA72F}" type="datetime1">
               <a:rPr lang="ru-RU" smtClean="0"/>
-              <a:t>17.09.2021</a:t>
+              <a:t>23.09.2021</a:t>
             </a:fld>
             <a:endParaRPr lang="ru-RU"/>
           </a:p>
@@ -11411,7 +11415,7 @@
           <a:p>
             <a:fld id="{F2F76AF9-367F-458B-ACB1-1435FB832E32}" type="datetime1">
               <a:rPr lang="ru-RU" smtClean="0"/>
-              <a:t>17.09.2021</a:t>
+              <a:t>23.09.2021</a:t>
             </a:fld>
             <a:endParaRPr lang="ru-RU"/>
           </a:p>
@@ -11552,7 +11556,7 @@
           <a:p>
             <a:fld id="{5F9A6A5B-49EE-4033-9DAE-CBD6C3A42872}" type="datetime1">
               <a:rPr lang="ru-RU" smtClean="0"/>
-              <a:t>17.09.2021</a:t>
+              <a:t>23.09.2021</a:t>
             </a:fld>
             <a:endParaRPr lang="ru-RU"/>
           </a:p>
@@ -11863,7 +11867,7 @@
           <a:p>
             <a:fld id="{06199E7F-F7A7-46F1-B565-D15DA3F38C5A}" type="datetime1">
               <a:rPr lang="ru-RU" smtClean="0"/>
-              <a:t>17.09.2021</a:t>
+              <a:t>23.09.2021</a:t>
             </a:fld>
             <a:endParaRPr lang="ru-RU"/>
           </a:p>
@@ -12104,7 +12108,7 @@
           <a:p>
             <a:fld id="{DCBA2B04-F2E8-450E-981B-3AC1477916BF}" type="datetime1">
               <a:rPr lang="ru-RU" smtClean="0"/>
-              <a:t>17.09.2021</a:t>
+              <a:t>23.09.2021</a:t>
             </a:fld>
             <a:endParaRPr lang="ru-RU"/>
           </a:p>
@@ -20277,8 +20281,8 @@
           </a:ln>
         </p:spPr>
       </p:pic>
-      <mc:AlternateContent xmlns:mc="http://schemas.openxmlformats.org/markup-compatibility/2006">
-        <mc:Choice xmlns:a14="http://schemas.microsoft.com/office/drawing/2010/main" Requires="a14">
+      <mc:AlternateContent xmlns:mc="http://schemas.openxmlformats.org/markup-compatibility/2006" xmlns:a14="http://schemas.microsoft.com/office/drawing/2010/main">
+        <mc:Choice Requires="a14">
           <p:sp>
             <p:nvSpPr>
               <p:cNvPr id="8" name="TextBox 7">
@@ -20307,6 +20311,7 @@
               </a:bodyPr>
               <a:lstStyle/>
               <a:p>
+                <a:pPr/>
                 <a14:m>
                   <m:oMathPara xmlns:m="http://schemas.openxmlformats.org/officeDocument/2006/math">
                     <m:oMathParaPr>
@@ -20474,7 +20479,7 @@
             </p:txBody>
           </p:sp>
         </mc:Choice>
-        <mc:Fallback>
+        <mc:Fallback xmlns="">
           <p:sp>
             <p:nvSpPr>
               <p:cNvPr id="8" name="TextBox 7">
@@ -20519,8 +20524,8 @@
           </p:sp>
         </mc:Fallback>
       </mc:AlternateContent>
-      <mc:AlternateContent xmlns:mc="http://schemas.openxmlformats.org/markup-compatibility/2006">
-        <mc:Choice xmlns:a14="http://schemas.microsoft.com/office/drawing/2010/main" Requires="a14">
+      <mc:AlternateContent xmlns:mc="http://schemas.openxmlformats.org/markup-compatibility/2006" xmlns:a14="http://schemas.microsoft.com/office/drawing/2010/main">
+        <mc:Choice Requires="a14">
           <p:sp>
             <p:nvSpPr>
               <p:cNvPr id="12" name="TextBox 11">
@@ -20549,6 +20554,7 @@
               </a:bodyPr>
               <a:lstStyle/>
               <a:p>
+                <a:pPr/>
                 <a14:m>
                   <m:oMathPara xmlns:m="http://schemas.openxmlformats.org/officeDocument/2006/math">
                     <m:oMathParaPr>
@@ -20655,7 +20661,7 @@
             </p:txBody>
           </p:sp>
         </mc:Choice>
-        <mc:Fallback>
+        <mc:Fallback xmlns="">
           <p:sp>
             <p:nvSpPr>
               <p:cNvPr id="12" name="TextBox 11">
@@ -20700,8 +20706,8 @@
           </p:sp>
         </mc:Fallback>
       </mc:AlternateContent>
-      <mc:AlternateContent xmlns:mc="http://schemas.openxmlformats.org/markup-compatibility/2006">
-        <mc:Choice xmlns:a14="http://schemas.microsoft.com/office/drawing/2010/main" Requires="a14">
+      <mc:AlternateContent xmlns:mc="http://schemas.openxmlformats.org/markup-compatibility/2006" xmlns:a14="http://schemas.microsoft.com/office/drawing/2010/main">
+        <mc:Choice Requires="a14">
           <p:sp>
             <p:nvSpPr>
               <p:cNvPr id="13" name="TextBox 12">
@@ -20730,6 +20736,7 @@
               </a:bodyPr>
               <a:lstStyle/>
               <a:p>
+                <a:pPr/>
                 <a14:m>
                   <m:oMathPara xmlns:m="http://schemas.openxmlformats.org/officeDocument/2006/math">
                     <m:oMathParaPr>
@@ -20831,7 +20838,7 @@
             </p:txBody>
           </p:sp>
         </mc:Choice>
-        <mc:Fallback>
+        <mc:Fallback xmlns="">
           <p:sp>
             <p:nvSpPr>
               <p:cNvPr id="13" name="TextBox 12">
@@ -21710,8 +21717,8 @@
         </p:nvSpPr>
         <p:spPr bwMode="auto">
           <a:xfrm>
-            <a:off x="805758" y="2951946"/>
-            <a:ext cx="7848600" cy="523220"/>
+            <a:off x="666750" y="2905780"/>
+            <a:ext cx="7848600" cy="1415772"/>
           </a:xfrm>
           <a:prstGeom prst="rect">
             <a:avLst/>
@@ -21756,19 +21763,49 @@
           </a:bodyPr>
           <a:lstStyle/>
           <a:p>
+            <a:pPr>
+              <a:spcBef>
+                <a:spcPts val="600"/>
+              </a:spcBef>
+            </a:pPr>
             <a:r>
               <a:rPr lang="ru-RU" altLang="ru-RU" sz="2800" b="1" dirty="0">
                 <a:solidFill>
                   <a:schemeClr val="tx2"/>
                 </a:solidFill>
               </a:rPr>
-              <a:t>5. Сглаживание временного ряда</a:t>
-            </a:r>
-            <a:endParaRPr lang="ru-RU" altLang="ru-RU" sz="3200" b="1" dirty="0">
-              <a:solidFill>
-                <a:schemeClr val="tx2"/>
-              </a:solidFill>
-            </a:endParaRPr>
+              <a:t>5. Выравнивание временного ряда</a:t>
+            </a:r>
+          </a:p>
+          <a:p>
+            <a:pPr>
+              <a:spcBef>
+                <a:spcPts val="600"/>
+              </a:spcBef>
+            </a:pPr>
+            <a:r>
+              <a:rPr lang="ru-RU" altLang="ru-RU" sz="2400" b="1" dirty="0">
+                <a:solidFill>
+                  <a:schemeClr val="tx2"/>
+                </a:solidFill>
+              </a:rPr>
+              <a:t>5.1. Смыкание</a:t>
+            </a:r>
+          </a:p>
+          <a:p>
+            <a:pPr>
+              <a:spcBef>
+                <a:spcPts val="600"/>
+              </a:spcBef>
+            </a:pPr>
+            <a:r>
+              <a:rPr lang="ru-RU" altLang="ru-RU" sz="2400" b="1" dirty="0">
+                <a:solidFill>
+                  <a:schemeClr val="tx2"/>
+                </a:solidFill>
+              </a:rPr>
+              <a:t>5.2. Сглаживание</a:t>
+            </a:r>
           </a:p>
         </p:txBody>
       </p:sp>
@@ -22192,6 +22229,617 @@
       </p:grpSpPr>
       <p:sp>
         <p:nvSpPr>
+          <p:cNvPr id="2" name="Объект 1">
+            <a:extLst>
+              <a:ext uri="{FF2B5EF4-FFF2-40B4-BE49-F238E27FC236}">
+                <a16:creationId xmlns:a16="http://schemas.microsoft.com/office/drawing/2014/main" id="{2373A990-6CF2-494A-BEAA-97F330A3ACA6}"/>
+              </a:ext>
+            </a:extLst>
+          </p:cNvPr>
+          <p:cNvSpPr>
+            <a:spLocks noGrp="1"/>
+          </p:cNvSpPr>
+          <p:nvPr>
+            <p:ph idx="1"/>
+          </p:nvPr>
+        </p:nvSpPr>
+        <p:spPr>
+          <a:xfrm>
+            <a:off x="1375164" y="3016266"/>
+            <a:ext cx="6896396" cy="825467"/>
+          </a:xfrm>
+        </p:spPr>
+        <p:txBody>
+          <a:bodyPr/>
+          <a:lstStyle/>
+          <a:p>
+            <a:pPr marL="0" indent="0">
+              <a:buNone/>
+            </a:pPr>
+            <a:r>
+              <a:rPr lang="ru-RU" dirty="0"/>
+              <a:t>5.1. Смыкание временного ряда</a:t>
+            </a:r>
+          </a:p>
+        </p:txBody>
+      </p:sp>
+      <p:sp>
+        <p:nvSpPr>
+          <p:cNvPr id="3" name="Номер слайда 2">
+            <a:extLst>
+              <a:ext uri="{FF2B5EF4-FFF2-40B4-BE49-F238E27FC236}">
+                <a16:creationId xmlns:a16="http://schemas.microsoft.com/office/drawing/2014/main" id="{93E5E917-DD58-417B-839C-845AAABBF894}"/>
+              </a:ext>
+            </a:extLst>
+          </p:cNvPr>
+          <p:cNvSpPr>
+            <a:spLocks noGrp="1"/>
+          </p:cNvSpPr>
+          <p:nvPr>
+            <p:ph type="sldNum" sz="quarter" idx="12"/>
+          </p:nvPr>
+        </p:nvSpPr>
+        <p:spPr/>
+        <p:txBody>
+          <a:bodyPr/>
+          <a:lstStyle/>
+          <a:p>
+            <a:fld id="{C91A140B-44EE-4255-A26C-1F2780EA458E}" type="slidenum">
+              <a:rPr lang="ru-RU" smtClean="0"/>
+              <a:t>30</a:t>
+            </a:fld>
+            <a:endParaRPr lang="ru-RU"/>
+          </a:p>
+        </p:txBody>
+      </p:sp>
+      <p:sp>
+        <p:nvSpPr>
+          <p:cNvPr id="4" name="Заголовок 3">
+            <a:extLst>
+              <a:ext uri="{FF2B5EF4-FFF2-40B4-BE49-F238E27FC236}">
+                <a16:creationId xmlns:a16="http://schemas.microsoft.com/office/drawing/2014/main" id="{7F1AEB48-237D-4541-A47D-D3F30CBC3C17}"/>
+              </a:ext>
+            </a:extLst>
+          </p:cNvPr>
+          <p:cNvSpPr>
+            <a:spLocks noGrp="1"/>
+          </p:cNvSpPr>
+          <p:nvPr>
+            <p:ph type="title"/>
+          </p:nvPr>
+        </p:nvSpPr>
+        <p:spPr/>
+        <p:txBody>
+          <a:bodyPr/>
+          <a:lstStyle/>
+          <a:p>
+            <a:r>
+              <a:rPr lang="ru-RU" dirty="0"/>
+              <a:t>5. Выравнивание временного ряда</a:t>
+            </a:r>
+          </a:p>
+        </p:txBody>
+      </p:sp>
+    </p:spTree>
+    <p:extLst>
+      <p:ext uri="{BB962C8B-B14F-4D97-AF65-F5344CB8AC3E}">
+        <p14:creationId xmlns:p14="http://schemas.microsoft.com/office/powerpoint/2010/main" val="3982647368"/>
+      </p:ext>
+    </p:extLst>
+  </p:cSld>
+  <p:clrMapOvr>
+    <a:masterClrMapping/>
+  </p:clrMapOvr>
+</p:sld>
+</file>
+
+<file path=ppt/slides/slide31.xml><?xml version="1.0" encoding="utf-8"?>
+<p:sld xmlns:a="http://schemas.openxmlformats.org/drawingml/2006/main" xmlns:r="http://schemas.openxmlformats.org/officeDocument/2006/relationships" xmlns:p="http://schemas.openxmlformats.org/presentationml/2006/main">
+  <p:cSld>
+    <p:spTree>
+      <p:nvGrpSpPr>
+        <p:cNvPr id="1" name=""/>
+        <p:cNvGrpSpPr/>
+        <p:nvPr/>
+      </p:nvGrpSpPr>
+      <p:grpSpPr>
+        <a:xfrm>
+          <a:off x="0" y="0"/>
+          <a:ext cx="0" cy="0"/>
+          <a:chOff x="0" y="0"/>
+          <a:chExt cx="0" cy="0"/>
+        </a:xfrm>
+      </p:grpSpPr>
+      <p:pic>
+        <p:nvPicPr>
+          <p:cNvPr id="15" name="Рисунок 14">
+            <a:extLst>
+              <a:ext uri="{FF2B5EF4-FFF2-40B4-BE49-F238E27FC236}">
+                <a16:creationId xmlns:a16="http://schemas.microsoft.com/office/drawing/2014/main" id="{A54FCDBD-EB59-4CBC-BFA6-4A5FBEA112C6}"/>
+              </a:ext>
+            </a:extLst>
+          </p:cNvPr>
+          <p:cNvPicPr>
+            <a:picLocks noChangeAspect="1"/>
+          </p:cNvPicPr>
+          <p:nvPr/>
+        </p:nvPicPr>
+        <p:blipFill>
+          <a:blip r:embed="rId2">
+            <a:alphaModFix/>
+            <a:extLst>
+              <a:ext uri="{BEBA8EAE-BF5A-486C-A8C5-ECC9F3942E4B}">
+                <a14:imgProps xmlns:a14="http://schemas.microsoft.com/office/drawing/2010/main">
+                  <a14:imgLayer r:embed="rId3">
+                    <a14:imgEffect>
+                      <a14:brightnessContrast bright="28000" contrast="7000"/>
+                    </a14:imgEffect>
+                  </a14:imgLayer>
+                </a14:imgProps>
+              </a:ext>
+              <a:ext uri="{28A0092B-C50C-407E-A947-70E740481C1C}">
+                <a14:useLocalDpi xmlns:a14="http://schemas.microsoft.com/office/drawing/2010/main" val="0"/>
+              </a:ext>
+            </a:extLst>
+          </a:blip>
+          <a:stretch>
+            <a:fillRect/>
+          </a:stretch>
+        </p:blipFill>
+        <p:spPr>
+          <a:xfrm>
+            <a:off x="2644569" y="1009557"/>
+            <a:ext cx="6007854" cy="4251578"/>
+          </a:xfrm>
+          <a:prstGeom prst="rect">
+            <a:avLst/>
+          </a:prstGeom>
+          <a:ln>
+            <a:noFill/>
+          </a:ln>
+          <a:effectLst>
+            <a:outerShdw blurRad="114300" dist="38100" dir="2520000" sx="101000" sy="101000" algn="tl" rotWithShape="0">
+              <a:srgbClr val="000000">
+                <a:alpha val="39000"/>
+              </a:srgbClr>
+            </a:outerShdw>
+          </a:effectLst>
+        </p:spPr>
+      </p:pic>
+      <p:sp>
+        <p:nvSpPr>
+          <p:cNvPr id="3" name="Номер слайда 2">
+            <a:extLst>
+              <a:ext uri="{FF2B5EF4-FFF2-40B4-BE49-F238E27FC236}">
+                <a16:creationId xmlns:a16="http://schemas.microsoft.com/office/drawing/2014/main" id="{93E5E917-DD58-417B-839C-845AAABBF894}"/>
+              </a:ext>
+            </a:extLst>
+          </p:cNvPr>
+          <p:cNvSpPr>
+            <a:spLocks noGrp="1"/>
+          </p:cNvSpPr>
+          <p:nvPr>
+            <p:ph type="sldNum" sz="quarter" idx="12"/>
+          </p:nvPr>
+        </p:nvSpPr>
+        <p:spPr/>
+        <p:txBody>
+          <a:bodyPr/>
+          <a:lstStyle/>
+          <a:p>
+            <a:fld id="{C91A140B-44EE-4255-A26C-1F2780EA458E}" type="slidenum">
+              <a:rPr lang="ru-RU" smtClean="0"/>
+              <a:t>31</a:t>
+            </a:fld>
+            <a:endParaRPr lang="ru-RU" dirty="0"/>
+          </a:p>
+        </p:txBody>
+      </p:sp>
+      <p:sp>
+        <p:nvSpPr>
+          <p:cNvPr id="4" name="Заголовок 3">
+            <a:extLst>
+              <a:ext uri="{FF2B5EF4-FFF2-40B4-BE49-F238E27FC236}">
+                <a16:creationId xmlns:a16="http://schemas.microsoft.com/office/drawing/2014/main" id="{7F1AEB48-237D-4541-A47D-D3F30CBC3C17}"/>
+              </a:ext>
+            </a:extLst>
+          </p:cNvPr>
+          <p:cNvSpPr>
+            <a:spLocks noGrp="1"/>
+          </p:cNvSpPr>
+          <p:nvPr>
+            <p:ph type="title"/>
+          </p:nvPr>
+        </p:nvSpPr>
+        <p:spPr/>
+        <p:txBody>
+          <a:bodyPr/>
+          <a:lstStyle/>
+          <a:p>
+            <a:r>
+              <a:rPr lang="ru-RU" dirty="0"/>
+              <a:t>5.1. Смыкание временного ряда</a:t>
+            </a:r>
+          </a:p>
+        </p:txBody>
+      </p:sp>
+      <p:sp>
+        <p:nvSpPr>
+          <p:cNvPr id="8" name="TextBox 7">
+            <a:extLst>
+              <a:ext uri="{FF2B5EF4-FFF2-40B4-BE49-F238E27FC236}">
+                <a16:creationId xmlns:a16="http://schemas.microsoft.com/office/drawing/2014/main" id="{6491F8BE-BCA7-41B2-AB18-E1A7F6EDA685}"/>
+              </a:ext>
+            </a:extLst>
+          </p:cNvPr>
+          <p:cNvSpPr txBox="1"/>
+          <p:nvPr/>
+        </p:nvSpPr>
+        <p:spPr>
+          <a:xfrm>
+            <a:off x="216568" y="5391141"/>
+            <a:ext cx="8796802" cy="1200329"/>
+          </a:xfrm>
+          <a:prstGeom prst="rect">
+            <a:avLst/>
+          </a:prstGeom>
+          <a:noFill/>
+        </p:spPr>
+        <p:txBody>
+          <a:bodyPr wrap="square">
+            <a:spAutoFit/>
+          </a:bodyPr>
+          <a:lstStyle/>
+          <a:p>
+            <a:r>
+              <a:rPr lang="ru-RU" dirty="0"/>
+              <a:t>Указом президента России В. В. Путина от 28 июля 2016 года № 375 Крымский федеральный округ был упразднён, а входившие в его состав субъекты — Республика Крым и город федерального значения </a:t>
+            </a:r>
+            <a:r>
+              <a:rPr lang="ru-RU"/>
+              <a:t>Севастополь — включены </a:t>
+            </a:r>
+            <a:r>
+              <a:rPr lang="ru-RU" dirty="0"/>
+              <a:t>в состав Южного федерального округа</a:t>
+            </a:r>
+          </a:p>
+        </p:txBody>
+      </p:sp>
+      <p:sp>
+        <p:nvSpPr>
+          <p:cNvPr id="9" name="TextBox 8">
+            <a:extLst>
+              <a:ext uri="{FF2B5EF4-FFF2-40B4-BE49-F238E27FC236}">
+                <a16:creationId xmlns:a16="http://schemas.microsoft.com/office/drawing/2014/main" id="{16D9E7C5-D75D-4ABA-89C2-609E0F40BCA1}"/>
+              </a:ext>
+            </a:extLst>
+          </p:cNvPr>
+          <p:cNvSpPr txBox="1"/>
+          <p:nvPr/>
+        </p:nvSpPr>
+        <p:spPr>
+          <a:xfrm>
+            <a:off x="216568" y="1843139"/>
+            <a:ext cx="8232487" cy="954107"/>
+          </a:xfrm>
+          <a:prstGeom prst="rect">
+            <a:avLst/>
+          </a:prstGeom>
+          <a:noFill/>
+        </p:spPr>
+        <p:txBody>
+          <a:bodyPr wrap="square" rtlCol="0">
+            <a:spAutoFit/>
+          </a:bodyPr>
+          <a:lstStyle/>
+          <a:p>
+            <a:r>
+              <a:rPr lang="ru-RU" sz="2800" b="1" dirty="0">
+                <a:solidFill>
+                  <a:schemeClr val="accent1">
+                    <a:lumMod val="75000"/>
+                  </a:schemeClr>
+                </a:solidFill>
+              </a:rPr>
+              <a:t>В 2016 году изменился состав Южного федерального округа России</a:t>
+            </a:r>
+          </a:p>
+        </p:txBody>
+      </p:sp>
+    </p:spTree>
+    <p:extLst>
+      <p:ext uri="{BB962C8B-B14F-4D97-AF65-F5344CB8AC3E}">
+        <p14:creationId xmlns:p14="http://schemas.microsoft.com/office/powerpoint/2010/main" val="3323420460"/>
+      </p:ext>
+    </p:extLst>
+  </p:cSld>
+  <p:clrMapOvr>
+    <a:masterClrMapping/>
+  </p:clrMapOvr>
+</p:sld>
+</file>
+
+<file path=ppt/slides/slide32.xml><?xml version="1.0" encoding="utf-8"?>
+<p:sld xmlns:a="http://schemas.openxmlformats.org/drawingml/2006/main" xmlns:r="http://schemas.openxmlformats.org/officeDocument/2006/relationships" xmlns:p="http://schemas.openxmlformats.org/presentationml/2006/main">
+  <p:cSld>
+    <p:spTree>
+      <p:nvGrpSpPr>
+        <p:cNvPr id="1" name=""/>
+        <p:cNvGrpSpPr/>
+        <p:nvPr/>
+      </p:nvGrpSpPr>
+      <p:grpSpPr>
+        <a:xfrm>
+          <a:off x="0" y="0"/>
+          <a:ext cx="0" cy="0"/>
+          <a:chOff x="0" y="0"/>
+          <a:chExt cx="0" cy="0"/>
+        </a:xfrm>
+      </p:grpSpPr>
+      <p:pic>
+        <p:nvPicPr>
+          <p:cNvPr id="5" name="Рисунок 4">
+            <a:extLst>
+              <a:ext uri="{FF2B5EF4-FFF2-40B4-BE49-F238E27FC236}">
+                <a16:creationId xmlns:a16="http://schemas.microsoft.com/office/drawing/2014/main" id="{08C2D67D-C638-4D20-AA5A-99A8B0502281}"/>
+              </a:ext>
+            </a:extLst>
+          </p:cNvPr>
+          <p:cNvPicPr>
+            <a:picLocks noChangeAspect="1"/>
+          </p:cNvPicPr>
+          <p:nvPr/>
+        </p:nvPicPr>
+        <p:blipFill>
+          <a:blip r:embed="rId2">
+            <a:extLst>
+              <a:ext uri="{28A0092B-C50C-407E-A947-70E740481C1C}">
+                <a14:useLocalDpi xmlns:a14="http://schemas.microsoft.com/office/drawing/2010/main" val="0"/>
+              </a:ext>
+            </a:extLst>
+          </a:blip>
+          <a:stretch>
+            <a:fillRect/>
+          </a:stretch>
+        </p:blipFill>
+        <p:spPr>
+          <a:xfrm>
+            <a:off x="0" y="981137"/>
+            <a:ext cx="9144000" cy="5876863"/>
+          </a:xfrm>
+          <a:prstGeom prst="rect">
+            <a:avLst/>
+          </a:prstGeom>
+        </p:spPr>
+      </p:pic>
+      <p:sp>
+        <p:nvSpPr>
+          <p:cNvPr id="3" name="Номер слайда 2">
+            <a:extLst>
+              <a:ext uri="{FF2B5EF4-FFF2-40B4-BE49-F238E27FC236}">
+                <a16:creationId xmlns:a16="http://schemas.microsoft.com/office/drawing/2014/main" id="{93E5E917-DD58-417B-839C-845AAABBF894}"/>
+              </a:ext>
+            </a:extLst>
+          </p:cNvPr>
+          <p:cNvSpPr>
+            <a:spLocks noGrp="1"/>
+          </p:cNvSpPr>
+          <p:nvPr>
+            <p:ph type="sldNum" sz="quarter" idx="12"/>
+          </p:nvPr>
+        </p:nvSpPr>
+        <p:spPr>
+          <a:xfrm>
+            <a:off x="8203989" y="6369414"/>
+            <a:ext cx="707781" cy="365125"/>
+          </a:xfrm>
+        </p:spPr>
+        <p:txBody>
+          <a:bodyPr/>
+          <a:lstStyle/>
+          <a:p>
+            <a:fld id="{C91A140B-44EE-4255-A26C-1F2780EA458E}" type="slidenum">
+              <a:rPr lang="ru-RU" smtClean="0"/>
+              <a:t>32</a:t>
+            </a:fld>
+            <a:endParaRPr lang="ru-RU" dirty="0"/>
+          </a:p>
+        </p:txBody>
+      </p:sp>
+      <p:sp>
+        <p:nvSpPr>
+          <p:cNvPr id="4" name="Заголовок 3">
+            <a:extLst>
+              <a:ext uri="{FF2B5EF4-FFF2-40B4-BE49-F238E27FC236}">
+                <a16:creationId xmlns:a16="http://schemas.microsoft.com/office/drawing/2014/main" id="{7F1AEB48-237D-4541-A47D-D3F30CBC3C17}"/>
+              </a:ext>
+            </a:extLst>
+          </p:cNvPr>
+          <p:cNvSpPr>
+            <a:spLocks noGrp="1"/>
+          </p:cNvSpPr>
+          <p:nvPr>
+            <p:ph type="title"/>
+          </p:nvPr>
+        </p:nvSpPr>
+        <p:spPr/>
+        <p:txBody>
+          <a:bodyPr/>
+          <a:lstStyle/>
+          <a:p>
+            <a:r>
+              <a:rPr lang="ru-RU" dirty="0"/>
+              <a:t>5.1. Смыкание временного ряда</a:t>
+            </a:r>
+          </a:p>
+        </p:txBody>
+      </p:sp>
+    </p:spTree>
+    <p:extLst>
+      <p:ext uri="{BB962C8B-B14F-4D97-AF65-F5344CB8AC3E}">
+        <p14:creationId xmlns:p14="http://schemas.microsoft.com/office/powerpoint/2010/main" val="1514698890"/>
+      </p:ext>
+    </p:extLst>
+  </p:cSld>
+  <p:clrMapOvr>
+    <a:masterClrMapping/>
+  </p:clrMapOvr>
+</p:sld>
+</file>
+
+<file path=ppt/slides/slide33.xml><?xml version="1.0" encoding="utf-8"?>
+<p:sld xmlns:a="http://schemas.openxmlformats.org/drawingml/2006/main" xmlns:r="http://schemas.openxmlformats.org/officeDocument/2006/relationships" xmlns:p="http://schemas.openxmlformats.org/presentationml/2006/main">
+  <p:cSld>
+    <p:spTree>
+      <p:nvGrpSpPr>
+        <p:cNvPr id="1" name=""/>
+        <p:cNvGrpSpPr/>
+        <p:nvPr/>
+      </p:nvGrpSpPr>
+      <p:grpSpPr>
+        <a:xfrm>
+          <a:off x="0" y="0"/>
+          <a:ext cx="0" cy="0"/>
+          <a:chOff x="0" y="0"/>
+          <a:chExt cx="0" cy="0"/>
+        </a:xfrm>
+      </p:grpSpPr>
+      <p:sp>
+        <p:nvSpPr>
+          <p:cNvPr id="3" name="Номер слайда 2">
+            <a:extLst>
+              <a:ext uri="{FF2B5EF4-FFF2-40B4-BE49-F238E27FC236}">
+                <a16:creationId xmlns:a16="http://schemas.microsoft.com/office/drawing/2014/main" id="{592827A3-69EB-4858-855F-2238211DBD14}"/>
+              </a:ext>
+            </a:extLst>
+          </p:cNvPr>
+          <p:cNvSpPr>
+            <a:spLocks noGrp="1"/>
+          </p:cNvSpPr>
+          <p:nvPr>
+            <p:ph type="sldNum" sz="quarter" idx="12"/>
+          </p:nvPr>
+        </p:nvSpPr>
+        <p:spPr/>
+        <p:txBody>
+          <a:bodyPr/>
+          <a:lstStyle/>
+          <a:p>
+            <a:fld id="{C91A140B-44EE-4255-A26C-1F2780EA458E}" type="slidenum">
+              <a:rPr lang="ru-RU" smtClean="0"/>
+              <a:t>33</a:t>
+            </a:fld>
+            <a:endParaRPr lang="ru-RU"/>
+          </a:p>
+        </p:txBody>
+      </p:sp>
+      <p:sp>
+        <p:nvSpPr>
+          <p:cNvPr id="5" name="Заголовок 3">
+            <a:extLst>
+              <a:ext uri="{FF2B5EF4-FFF2-40B4-BE49-F238E27FC236}">
+                <a16:creationId xmlns:a16="http://schemas.microsoft.com/office/drawing/2014/main" id="{53CD2B32-E00D-4B4F-B643-74CB9465B52B}"/>
+              </a:ext>
+            </a:extLst>
+          </p:cNvPr>
+          <p:cNvSpPr>
+            <a:spLocks noGrp="1"/>
+          </p:cNvSpPr>
+          <p:nvPr>
+            <p:ph type="title"/>
+          </p:nvPr>
+        </p:nvSpPr>
+        <p:spPr>
+          <a:xfrm>
+            <a:off x="3239588" y="123461"/>
+            <a:ext cx="5773782" cy="605879"/>
+          </a:xfrm>
+        </p:spPr>
+        <p:txBody>
+          <a:bodyPr/>
+          <a:lstStyle/>
+          <a:p>
+            <a:pPr algn="ctr"/>
+            <a:r>
+              <a:rPr lang="en-US" dirty="0"/>
+              <a:t>5</a:t>
+            </a:r>
+            <a:r>
+              <a:rPr lang="ru-RU" dirty="0"/>
+              <a:t>. Выравнивание временного ряда</a:t>
+            </a:r>
+          </a:p>
+        </p:txBody>
+      </p:sp>
+      <p:sp>
+        <p:nvSpPr>
+          <p:cNvPr id="7" name="Объект 1">
+            <a:extLst>
+              <a:ext uri="{FF2B5EF4-FFF2-40B4-BE49-F238E27FC236}">
+                <a16:creationId xmlns:a16="http://schemas.microsoft.com/office/drawing/2014/main" id="{794AD51D-C289-4DE5-8A09-78DD2C5F26EA}"/>
+              </a:ext>
+            </a:extLst>
+          </p:cNvPr>
+          <p:cNvSpPr>
+            <a:spLocks noGrp="1"/>
+          </p:cNvSpPr>
+          <p:nvPr>
+            <p:ph idx="1"/>
+          </p:nvPr>
+        </p:nvSpPr>
+        <p:spPr>
+          <a:xfrm>
+            <a:off x="1375164" y="3016266"/>
+            <a:ext cx="6896396" cy="825467"/>
+          </a:xfrm>
+        </p:spPr>
+        <p:txBody>
+          <a:bodyPr/>
+          <a:lstStyle/>
+          <a:p>
+            <a:pPr marL="0" indent="0">
+              <a:buNone/>
+            </a:pPr>
+            <a:r>
+              <a:rPr lang="ru-RU" dirty="0"/>
+              <a:t>5.2. Сглаживание временного ряда</a:t>
+            </a:r>
+          </a:p>
+        </p:txBody>
+      </p:sp>
+    </p:spTree>
+    <p:extLst>
+      <p:ext uri="{BB962C8B-B14F-4D97-AF65-F5344CB8AC3E}">
+        <p14:creationId xmlns:p14="http://schemas.microsoft.com/office/powerpoint/2010/main" val="1208046274"/>
+      </p:ext>
+    </p:extLst>
+  </p:cSld>
+  <p:clrMapOvr>
+    <a:masterClrMapping/>
+  </p:clrMapOvr>
+</p:sld>
+</file>
+
+<file path=ppt/slides/slide34.xml><?xml version="1.0" encoding="utf-8"?>
+<p:sld xmlns:a="http://schemas.openxmlformats.org/drawingml/2006/main" xmlns:r="http://schemas.openxmlformats.org/officeDocument/2006/relationships" xmlns:p="http://schemas.openxmlformats.org/presentationml/2006/main">
+  <p:cSld>
+    <p:spTree>
+      <p:nvGrpSpPr>
+        <p:cNvPr id="1" name=""/>
+        <p:cNvGrpSpPr/>
+        <p:nvPr/>
+      </p:nvGrpSpPr>
+      <p:grpSpPr>
+        <a:xfrm>
+          <a:off x="0" y="0"/>
+          <a:ext cx="0" cy="0"/>
+          <a:chOff x="0" y="0"/>
+          <a:chExt cx="0" cy="0"/>
+        </a:xfrm>
+      </p:grpSpPr>
+      <p:sp>
+        <p:nvSpPr>
           <p:cNvPr id="4" name="Заголовок 3">
             <a:extLst>
               <a:ext uri="{FF2B5EF4-FFF2-40B4-BE49-F238E27FC236}">
@@ -22206,15 +22854,23 @@
             <p:ph type="title"/>
           </p:nvPr>
         </p:nvSpPr>
-        <p:spPr/>
+        <p:spPr>
+          <a:xfrm>
+            <a:off x="3155523" y="161187"/>
+            <a:ext cx="5773782" cy="605879"/>
+          </a:xfrm>
+        </p:spPr>
         <p:txBody>
           <a:bodyPr/>
           <a:lstStyle/>
           <a:p>
-            <a:pPr algn="ctr"/>
+            <a:r>
+              <a:rPr lang="en-US" dirty="0"/>
+              <a:t>5</a:t>
+            </a:r>
             <a:r>
               <a:rPr lang="ru-RU" dirty="0"/>
-              <a:t>Адаптивные методы</a:t>
+              <a:t>.1. Сглаживание временного ряда</a:t>
             </a:r>
           </a:p>
         </p:txBody>
@@ -23593,7 +24249,7 @@
 </p:sld>
 </file>
 
-<file path=ppt/slides/slide31.xml><?xml version="1.0" encoding="utf-8"?>
+<file path=ppt/slides/slide35.xml><?xml version="1.0" encoding="utf-8"?>
 <p:sld xmlns:a="http://schemas.openxmlformats.org/drawingml/2006/main" xmlns:r="http://schemas.openxmlformats.org/officeDocument/2006/relationships" xmlns:p="http://schemas.openxmlformats.org/presentationml/2006/main">
   <p:cSld>
     <p:spTree>
@@ -23698,7 +24354,7 @@
           <a:p>
             <a:fld id="{C91A140B-44EE-4255-A26C-1F2780EA458E}" type="slidenum">
               <a:rPr lang="ru-RU" smtClean="0"/>
-              <a:t>31</a:t>
+              <a:t>35</a:t>
             </a:fld>
             <a:endParaRPr lang="ru-RU" dirty="0"/>
           </a:p>
@@ -24279,7 +24935,7 @@
 </p:sld>
 </file>
 
-<file path=ppt/slides/slide32.xml><?xml version="1.0" encoding="utf-8"?>
+<file path=ppt/slides/slide36.xml><?xml version="1.0" encoding="utf-8"?>
 <p:sld xmlns:a="http://schemas.openxmlformats.org/drawingml/2006/main" xmlns:r="http://schemas.openxmlformats.org/officeDocument/2006/relationships" xmlns:p="http://schemas.openxmlformats.org/presentationml/2006/main">
   <p:cSld>
     <p:spTree>
@@ -24344,7 +25000,7 @@
           <a:p>
             <a:fld id="{C91A140B-44EE-4255-A26C-1F2780EA458E}" type="slidenum">
               <a:rPr lang="ru-RU" smtClean="0"/>
-              <a:t>32</a:t>
+              <a:t>36</a:t>
             </a:fld>
             <a:endParaRPr lang="ru-RU"/>
           </a:p>
@@ -24772,7 +25428,7 @@
 </p:sld>
 </file>
 
-<file path=ppt/slides/slide33.xml><?xml version="1.0" encoding="utf-8"?>
+<file path=ppt/slides/slide37.xml><?xml version="1.0" encoding="utf-8"?>
 <p:sld xmlns:a="http://schemas.openxmlformats.org/drawingml/2006/main" xmlns:r="http://schemas.openxmlformats.org/officeDocument/2006/relationships" xmlns:p="http://schemas.openxmlformats.org/presentationml/2006/main">
   <p:cSld>
     <p:spTree>
@@ -24812,7 +25468,7 @@
           <a:p>
             <a:fld id="{C91A140B-44EE-4255-A26C-1F2780EA458E}" type="slidenum">
               <a:rPr lang="ru-RU" smtClean="0"/>
-              <a:t>33</a:t>
+              <a:t>37</a:t>
             </a:fld>
             <a:endParaRPr lang="ru-RU"/>
           </a:p>
@@ -25273,7 +25929,7 @@
 </p:sld>
 </file>
 
-<file path=ppt/slides/slide34.xml><?xml version="1.0" encoding="utf-8"?>
+<file path=ppt/slides/slide38.xml><?xml version="1.0" encoding="utf-8"?>
 <p:sld xmlns:a="http://schemas.openxmlformats.org/drawingml/2006/main" xmlns:r="http://schemas.openxmlformats.org/officeDocument/2006/relationships" xmlns:p="http://schemas.openxmlformats.org/presentationml/2006/main">
   <p:cSld>
     <p:spTree>
@@ -25313,7 +25969,7 @@
           <a:p>
             <a:fld id="{C91A140B-44EE-4255-A26C-1F2780EA458E}" type="slidenum">
               <a:rPr lang="ru-RU" smtClean="0"/>
-              <a:t>34</a:t>
+              <a:t>38</a:t>
             </a:fld>
             <a:endParaRPr lang="ru-RU"/>
           </a:p>
@@ -25551,7 +26207,7 @@
 </p:sld>
 </file>
 
-<file path=ppt/slides/slide35.xml><?xml version="1.0" encoding="utf-8"?>
+<file path=ppt/slides/slide39.xml><?xml version="1.0" encoding="utf-8"?>
 <p:sld xmlns:a="http://schemas.openxmlformats.org/drawingml/2006/main" xmlns:r="http://schemas.openxmlformats.org/officeDocument/2006/relationships" xmlns:p="http://schemas.openxmlformats.org/presentationml/2006/main">
   <p:cSld>
     <p:spTree>
@@ -25591,7 +26247,7 @@
           <a:p>
             <a:fld id="{C91A140B-44EE-4255-A26C-1F2780EA458E}" type="slidenum">
               <a:rPr lang="ru-RU" smtClean="0"/>
-              <a:t>35</a:t>
+              <a:t>39</a:t>
             </a:fld>
             <a:endParaRPr lang="ru-RU"/>
           </a:p>
@@ -25724,7 +26380,365 @@
 </p:sld>
 </file>
 
-<file path=ppt/slides/slide36.xml><?xml version="1.0" encoding="utf-8"?>
+<file path=ppt/slides/slide4.xml><?xml version="1.0" encoding="utf-8"?>
+<p:sld xmlns:a="http://schemas.openxmlformats.org/drawingml/2006/main" xmlns:r="http://schemas.openxmlformats.org/officeDocument/2006/relationships" xmlns:p="http://schemas.openxmlformats.org/presentationml/2006/main">
+  <p:cSld>
+    <p:spTree>
+      <p:nvGrpSpPr>
+        <p:cNvPr id="1" name=""/>
+        <p:cNvGrpSpPr/>
+        <p:nvPr/>
+      </p:nvGrpSpPr>
+      <p:grpSpPr>
+        <a:xfrm>
+          <a:off x="0" y="0"/>
+          <a:ext cx="0" cy="0"/>
+          <a:chOff x="0" y="0"/>
+          <a:chExt cx="0" cy="0"/>
+        </a:xfrm>
+      </p:grpSpPr>
+      <p:sp>
+        <p:nvSpPr>
+          <p:cNvPr id="3" name="Номер слайда 2">
+            <a:extLst>
+              <a:ext uri="{FF2B5EF4-FFF2-40B4-BE49-F238E27FC236}">
+                <a16:creationId xmlns:a16="http://schemas.microsoft.com/office/drawing/2014/main" id="{37704E75-CBC0-4157-82C6-67B227AACC08}"/>
+              </a:ext>
+            </a:extLst>
+          </p:cNvPr>
+          <p:cNvSpPr>
+            <a:spLocks noGrp="1"/>
+          </p:cNvSpPr>
+          <p:nvPr>
+            <p:ph type="sldNum" sz="quarter" idx="12"/>
+          </p:nvPr>
+        </p:nvSpPr>
+        <p:spPr>
+          <a:xfrm>
+            <a:off x="7600426" y="6356351"/>
+            <a:ext cx="914924" cy="365125"/>
+          </a:xfrm>
+        </p:spPr>
+        <p:txBody>
+          <a:bodyPr/>
+          <a:lstStyle/>
+          <a:p>
+            <a:fld id="{C91A140B-44EE-4255-A26C-1F2780EA458E}" type="slidenum">
+              <a:rPr lang="ru-RU" sz="1400" smtClean="0"/>
+              <a:t>4</a:t>
+            </a:fld>
+            <a:endParaRPr lang="ru-RU" sz="1400"/>
+          </a:p>
+        </p:txBody>
+      </p:sp>
+      <p:sp>
+        <p:nvSpPr>
+          <p:cNvPr id="4" name="Заголовок 3">
+            <a:extLst>
+              <a:ext uri="{FF2B5EF4-FFF2-40B4-BE49-F238E27FC236}">
+                <a16:creationId xmlns:a16="http://schemas.microsoft.com/office/drawing/2014/main" id="{6C398B4D-347C-4072-8F69-B99480703B0B}"/>
+              </a:ext>
+            </a:extLst>
+          </p:cNvPr>
+          <p:cNvSpPr>
+            <a:spLocks noGrp="1"/>
+          </p:cNvSpPr>
+          <p:nvPr>
+            <p:ph type="title"/>
+          </p:nvPr>
+        </p:nvSpPr>
+        <p:spPr/>
+        <p:txBody>
+          <a:bodyPr/>
+          <a:lstStyle/>
+          <a:p>
+            <a:pPr algn="ctr"/>
+            <a:r>
+              <a:rPr lang="ru-RU" dirty="0"/>
+              <a:t>Введение</a:t>
+            </a:r>
+          </a:p>
+        </p:txBody>
+      </p:sp>
+      <p:sp>
+        <p:nvSpPr>
+          <p:cNvPr id="8" name="Rectangle 3">
+            <a:extLst>
+              <a:ext uri="{FF2B5EF4-FFF2-40B4-BE49-F238E27FC236}">
+                <a16:creationId xmlns:a16="http://schemas.microsoft.com/office/drawing/2014/main" id="{B1423020-B4C2-427A-98FC-9823D90A80ED}"/>
+              </a:ext>
+            </a:extLst>
+          </p:cNvPr>
+          <p:cNvSpPr txBox="1">
+            <a:spLocks noChangeArrowheads="1"/>
+          </p:cNvSpPr>
+          <p:nvPr/>
+        </p:nvSpPr>
+        <p:spPr>
+          <a:xfrm>
+            <a:off x="457200" y="1627464"/>
+            <a:ext cx="8058150" cy="4728887"/>
+          </a:xfrm>
+          <a:prstGeom prst="rect">
+            <a:avLst/>
+          </a:prstGeom>
+        </p:spPr>
+        <p:txBody>
+          <a:bodyPr vert="horz" lIns="91440" tIns="45720" rIns="91440" bIns="45720" rtlCol="0">
+            <a:normAutofit/>
+          </a:bodyPr>
+          <a:lstStyle>
+            <a:lvl1pPr marL="228600" indent="-228600" algn="l" defTabSz="914400" rtl="0" eaLnBrk="1" latinLnBrk="0" hangingPunct="1">
+              <a:lnSpc>
+                <a:spcPct val="90000"/>
+              </a:lnSpc>
+              <a:spcBef>
+                <a:spcPts val="1000"/>
+              </a:spcBef>
+              <a:buFont typeface="Arial" panose="020B0604020202020204" pitchFamily="34" charset="0"/>
+              <a:buChar char="•"/>
+              <a:defRPr sz="2800" kern="1200">
+                <a:solidFill>
+                  <a:schemeClr val="tx1"/>
+                </a:solidFill>
+                <a:latin typeface="+mn-lt"/>
+                <a:ea typeface="+mn-ea"/>
+                <a:cs typeface="+mn-cs"/>
+              </a:defRPr>
+            </a:lvl1pPr>
+            <a:lvl2pPr marL="685800" indent="-228600" algn="l" defTabSz="914400" rtl="0" eaLnBrk="1" latinLnBrk="0" hangingPunct="1">
+              <a:lnSpc>
+                <a:spcPct val="90000"/>
+              </a:lnSpc>
+              <a:spcBef>
+                <a:spcPts val="500"/>
+              </a:spcBef>
+              <a:buFont typeface="Arial" panose="020B0604020202020204" pitchFamily="34" charset="0"/>
+              <a:buChar char="•"/>
+              <a:defRPr sz="2400" kern="1200">
+                <a:solidFill>
+                  <a:schemeClr val="tx1"/>
+                </a:solidFill>
+                <a:latin typeface="+mn-lt"/>
+                <a:ea typeface="+mn-ea"/>
+                <a:cs typeface="+mn-cs"/>
+              </a:defRPr>
+            </a:lvl2pPr>
+            <a:lvl3pPr marL="1143000" indent="-228600" algn="l" defTabSz="914400" rtl="0" eaLnBrk="1" latinLnBrk="0" hangingPunct="1">
+              <a:lnSpc>
+                <a:spcPct val="90000"/>
+              </a:lnSpc>
+              <a:spcBef>
+                <a:spcPts val="500"/>
+              </a:spcBef>
+              <a:buFont typeface="Arial" panose="020B0604020202020204" pitchFamily="34" charset="0"/>
+              <a:buChar char="•"/>
+              <a:defRPr sz="2000" kern="1200">
+                <a:solidFill>
+                  <a:schemeClr val="tx1"/>
+                </a:solidFill>
+                <a:latin typeface="+mn-lt"/>
+                <a:ea typeface="+mn-ea"/>
+                <a:cs typeface="+mn-cs"/>
+              </a:defRPr>
+            </a:lvl3pPr>
+            <a:lvl4pPr marL="1600200" indent="-228600" algn="l" defTabSz="914400" rtl="0" eaLnBrk="1" latinLnBrk="0" hangingPunct="1">
+              <a:lnSpc>
+                <a:spcPct val="90000"/>
+              </a:lnSpc>
+              <a:spcBef>
+                <a:spcPts val="500"/>
+              </a:spcBef>
+              <a:buFont typeface="Arial" panose="020B0604020202020204" pitchFamily="34" charset="0"/>
+              <a:buChar char="•"/>
+              <a:defRPr sz="1800" kern="1200">
+                <a:solidFill>
+                  <a:schemeClr val="tx1"/>
+                </a:solidFill>
+                <a:latin typeface="+mn-lt"/>
+                <a:ea typeface="+mn-ea"/>
+                <a:cs typeface="+mn-cs"/>
+              </a:defRPr>
+            </a:lvl4pPr>
+            <a:lvl5pPr marL="2057400" indent="-228600" algn="l" defTabSz="914400" rtl="0" eaLnBrk="1" latinLnBrk="0" hangingPunct="1">
+              <a:lnSpc>
+                <a:spcPct val="90000"/>
+              </a:lnSpc>
+              <a:spcBef>
+                <a:spcPts val="500"/>
+              </a:spcBef>
+              <a:buFont typeface="Arial" panose="020B0604020202020204" pitchFamily="34" charset="0"/>
+              <a:buChar char="•"/>
+              <a:defRPr sz="1800" kern="1200">
+                <a:solidFill>
+                  <a:schemeClr val="tx1"/>
+                </a:solidFill>
+                <a:latin typeface="+mn-lt"/>
+                <a:ea typeface="+mn-ea"/>
+                <a:cs typeface="+mn-cs"/>
+              </a:defRPr>
+            </a:lvl5pPr>
+            <a:lvl6pPr marL="2514600" indent="-228600" algn="l" defTabSz="914400" rtl="0" eaLnBrk="1" latinLnBrk="0" hangingPunct="1">
+              <a:lnSpc>
+                <a:spcPct val="90000"/>
+              </a:lnSpc>
+              <a:spcBef>
+                <a:spcPts val="500"/>
+              </a:spcBef>
+              <a:buFont typeface="Arial" panose="020B0604020202020204" pitchFamily="34" charset="0"/>
+              <a:buChar char="•"/>
+              <a:defRPr sz="1800" kern="1200">
+                <a:solidFill>
+                  <a:schemeClr val="tx1"/>
+                </a:solidFill>
+                <a:latin typeface="+mn-lt"/>
+                <a:ea typeface="+mn-ea"/>
+                <a:cs typeface="+mn-cs"/>
+              </a:defRPr>
+            </a:lvl6pPr>
+            <a:lvl7pPr marL="2971800" indent="-228600" algn="l" defTabSz="914400" rtl="0" eaLnBrk="1" latinLnBrk="0" hangingPunct="1">
+              <a:lnSpc>
+                <a:spcPct val="90000"/>
+              </a:lnSpc>
+              <a:spcBef>
+                <a:spcPts val="500"/>
+              </a:spcBef>
+              <a:buFont typeface="Arial" panose="020B0604020202020204" pitchFamily="34" charset="0"/>
+              <a:buChar char="•"/>
+              <a:defRPr sz="1800" kern="1200">
+                <a:solidFill>
+                  <a:schemeClr val="tx1"/>
+                </a:solidFill>
+                <a:latin typeface="+mn-lt"/>
+                <a:ea typeface="+mn-ea"/>
+                <a:cs typeface="+mn-cs"/>
+              </a:defRPr>
+            </a:lvl7pPr>
+            <a:lvl8pPr marL="3429000" indent="-228600" algn="l" defTabSz="914400" rtl="0" eaLnBrk="1" latinLnBrk="0" hangingPunct="1">
+              <a:lnSpc>
+                <a:spcPct val="90000"/>
+              </a:lnSpc>
+              <a:spcBef>
+                <a:spcPts val="500"/>
+              </a:spcBef>
+              <a:buFont typeface="Arial" panose="020B0604020202020204" pitchFamily="34" charset="0"/>
+              <a:buChar char="•"/>
+              <a:defRPr sz="1800" kern="1200">
+                <a:solidFill>
+                  <a:schemeClr val="tx1"/>
+                </a:solidFill>
+                <a:latin typeface="+mn-lt"/>
+                <a:ea typeface="+mn-ea"/>
+                <a:cs typeface="+mn-cs"/>
+              </a:defRPr>
+            </a:lvl8pPr>
+            <a:lvl9pPr marL="3886200" indent="-228600" algn="l" defTabSz="914400" rtl="0" eaLnBrk="1" latinLnBrk="0" hangingPunct="1">
+              <a:lnSpc>
+                <a:spcPct val="90000"/>
+              </a:lnSpc>
+              <a:spcBef>
+                <a:spcPts val="500"/>
+              </a:spcBef>
+              <a:buFont typeface="Arial" panose="020B0604020202020204" pitchFamily="34" charset="0"/>
+              <a:buChar char="•"/>
+              <a:defRPr sz="1800" kern="1200">
+                <a:solidFill>
+                  <a:schemeClr val="tx1"/>
+                </a:solidFill>
+                <a:latin typeface="+mn-lt"/>
+                <a:ea typeface="+mn-ea"/>
+                <a:cs typeface="+mn-cs"/>
+              </a:defRPr>
+            </a:lvl9pPr>
+          </a:lstStyle>
+          <a:p>
+            <a:pPr marL="357188" indent="-357188">
+              <a:buNone/>
+            </a:pPr>
+            <a:r>
+              <a:rPr lang="ru-RU" sz="3200" b="1" dirty="0">
+                <a:solidFill>
+                  <a:schemeClr val="tx2"/>
+                </a:solidFill>
+              </a:rPr>
+              <a:t>Введение</a:t>
+            </a:r>
+          </a:p>
+          <a:p>
+            <a:pPr marL="357188" indent="-357188">
+              <a:buNone/>
+            </a:pPr>
+            <a:endParaRPr lang="ru-RU" sz="2400" b="1" dirty="0">
+              <a:solidFill>
+                <a:schemeClr val="tx2"/>
+              </a:solidFill>
+            </a:endParaRPr>
+          </a:p>
+          <a:p>
+            <a:pPr marL="357188" indent="-357188">
+              <a:buNone/>
+            </a:pPr>
+            <a:r>
+              <a:rPr lang="ru-RU" sz="2400" b="1" dirty="0">
+                <a:solidFill>
+                  <a:schemeClr val="tx2"/>
+                </a:solidFill>
+              </a:rPr>
+              <a:t>Основные цели исследования временного ряда:</a:t>
+            </a:r>
+          </a:p>
+          <a:p>
+            <a:pPr marL="357188" indent="-357188">
+              <a:buNone/>
+            </a:pPr>
+            <a:endParaRPr lang="ru-RU" sz="2400" b="1" dirty="0">
+              <a:solidFill>
+                <a:schemeClr val="tx2"/>
+              </a:solidFill>
+            </a:endParaRPr>
+          </a:p>
+          <a:p>
+            <a:pPr marL="457200" indent="-457200">
+              <a:buAutoNum type="arabicPeriod"/>
+            </a:pPr>
+            <a:r>
+              <a:rPr lang="ru-RU" sz="2400" b="1" dirty="0">
+                <a:solidFill>
+                  <a:schemeClr val="tx2"/>
+                </a:solidFill>
+              </a:rPr>
+              <a:t>Определение природы ряда.</a:t>
+            </a:r>
+          </a:p>
+          <a:p>
+            <a:pPr marL="457200" indent="-457200">
+              <a:buAutoNum type="arabicPeriod"/>
+            </a:pPr>
+            <a:r>
+              <a:rPr lang="ru-RU" sz="2400" b="1" dirty="0">
+                <a:solidFill>
+                  <a:schemeClr val="tx2"/>
+                </a:solidFill>
+              </a:rPr>
+              <a:t>Прогнозирование – предсказание будущих значений по настоящим и прошлым значениям.</a:t>
+            </a:r>
+          </a:p>
+        </p:txBody>
+      </p:sp>
+    </p:spTree>
+    <p:extLst>
+      <p:ext uri="{BB962C8B-B14F-4D97-AF65-F5344CB8AC3E}">
+        <p14:creationId xmlns:p14="http://schemas.microsoft.com/office/powerpoint/2010/main" val="2060203030"/>
+      </p:ext>
+    </p:extLst>
+  </p:cSld>
+  <p:clrMapOvr>
+    <a:masterClrMapping/>
+  </p:clrMapOvr>
+</p:sld>
+</file>
+
+<file path=ppt/slides/slide40.xml><?xml version="1.0" encoding="utf-8"?>
 <p:sld xmlns:a="http://schemas.openxmlformats.org/drawingml/2006/main" xmlns:r="http://schemas.openxmlformats.org/officeDocument/2006/relationships" xmlns:p="http://schemas.openxmlformats.org/presentationml/2006/main">
   <p:cSld>
     <p:spTree>
@@ -25813,7 +26827,7 @@
           <a:p>
             <a:fld id="{C91A140B-44EE-4255-A26C-1F2780EA458E}" type="slidenum">
               <a:rPr lang="ru-RU" smtClean="0"/>
-              <a:t>36</a:t>
+              <a:t>40</a:t>
             </a:fld>
             <a:endParaRPr lang="ru-RU" dirty="0"/>
           </a:p>
@@ -25902,7 +26916,7 @@
 </p:sld>
 </file>
 
-<file path=ppt/slides/slide37.xml><?xml version="1.0" encoding="utf-8"?>
+<file path=ppt/slides/slide41.xml><?xml version="1.0" encoding="utf-8"?>
 <p:sld xmlns:a="http://schemas.openxmlformats.org/drawingml/2006/main" xmlns:r="http://schemas.openxmlformats.org/officeDocument/2006/relationships" xmlns:p="http://schemas.openxmlformats.org/presentationml/2006/main">
   <p:cSld>
     <p:spTree>
@@ -25942,7 +26956,7 @@
           <a:p>
             <a:fld id="{C91A140B-44EE-4255-A26C-1F2780EA458E}" type="slidenum">
               <a:rPr lang="ru-RU" smtClean="0"/>
-              <a:t>37</a:t>
+              <a:t>41</a:t>
             </a:fld>
             <a:endParaRPr lang="ru-RU"/>
           </a:p>
@@ -26093,7 +27107,7 @@
 </p:sld>
 </file>
 
-<file path=ppt/slides/slide38.xml><?xml version="1.0" encoding="utf-8"?>
+<file path=ppt/slides/slide42.xml><?xml version="1.0" encoding="utf-8"?>
 <p:sld xmlns:a="http://schemas.openxmlformats.org/drawingml/2006/main" xmlns:r="http://schemas.openxmlformats.org/officeDocument/2006/relationships" xmlns:p="http://schemas.openxmlformats.org/presentationml/2006/main">
   <p:cSld>
     <p:spTree>
@@ -26133,7 +27147,7 @@
           <a:p>
             <a:fld id="{C91A140B-44EE-4255-A26C-1F2780EA458E}" type="slidenum">
               <a:rPr lang="ru-RU" smtClean="0"/>
-              <a:t>38</a:t>
+              <a:t>42</a:t>
             </a:fld>
             <a:endParaRPr lang="ru-RU"/>
           </a:p>
@@ -26143,364 +27157,6 @@
     <p:extLst>
       <p:ext uri="{BB962C8B-B14F-4D97-AF65-F5344CB8AC3E}">
         <p14:creationId xmlns:p14="http://schemas.microsoft.com/office/powerpoint/2010/main" val="572820745"/>
-      </p:ext>
-    </p:extLst>
-  </p:cSld>
-  <p:clrMapOvr>
-    <a:masterClrMapping/>
-  </p:clrMapOvr>
-</p:sld>
-</file>
-
-<file path=ppt/slides/slide4.xml><?xml version="1.0" encoding="utf-8"?>
-<p:sld xmlns:a="http://schemas.openxmlformats.org/drawingml/2006/main" xmlns:r="http://schemas.openxmlformats.org/officeDocument/2006/relationships" xmlns:p="http://schemas.openxmlformats.org/presentationml/2006/main">
-  <p:cSld>
-    <p:spTree>
-      <p:nvGrpSpPr>
-        <p:cNvPr id="1" name=""/>
-        <p:cNvGrpSpPr/>
-        <p:nvPr/>
-      </p:nvGrpSpPr>
-      <p:grpSpPr>
-        <a:xfrm>
-          <a:off x="0" y="0"/>
-          <a:ext cx="0" cy="0"/>
-          <a:chOff x="0" y="0"/>
-          <a:chExt cx="0" cy="0"/>
-        </a:xfrm>
-      </p:grpSpPr>
-      <p:sp>
-        <p:nvSpPr>
-          <p:cNvPr id="3" name="Номер слайда 2">
-            <a:extLst>
-              <a:ext uri="{FF2B5EF4-FFF2-40B4-BE49-F238E27FC236}">
-                <a16:creationId xmlns:a16="http://schemas.microsoft.com/office/drawing/2014/main" id="{37704E75-CBC0-4157-82C6-67B227AACC08}"/>
-              </a:ext>
-            </a:extLst>
-          </p:cNvPr>
-          <p:cNvSpPr>
-            <a:spLocks noGrp="1"/>
-          </p:cNvSpPr>
-          <p:nvPr>
-            <p:ph type="sldNum" sz="quarter" idx="12"/>
-          </p:nvPr>
-        </p:nvSpPr>
-        <p:spPr>
-          <a:xfrm>
-            <a:off x="7600426" y="6356351"/>
-            <a:ext cx="914924" cy="365125"/>
-          </a:xfrm>
-        </p:spPr>
-        <p:txBody>
-          <a:bodyPr/>
-          <a:lstStyle/>
-          <a:p>
-            <a:fld id="{C91A140B-44EE-4255-A26C-1F2780EA458E}" type="slidenum">
-              <a:rPr lang="ru-RU" sz="1400" smtClean="0"/>
-              <a:t>4</a:t>
-            </a:fld>
-            <a:endParaRPr lang="ru-RU" sz="1400"/>
-          </a:p>
-        </p:txBody>
-      </p:sp>
-      <p:sp>
-        <p:nvSpPr>
-          <p:cNvPr id="4" name="Заголовок 3">
-            <a:extLst>
-              <a:ext uri="{FF2B5EF4-FFF2-40B4-BE49-F238E27FC236}">
-                <a16:creationId xmlns:a16="http://schemas.microsoft.com/office/drawing/2014/main" id="{6C398B4D-347C-4072-8F69-B99480703B0B}"/>
-              </a:ext>
-            </a:extLst>
-          </p:cNvPr>
-          <p:cNvSpPr>
-            <a:spLocks noGrp="1"/>
-          </p:cNvSpPr>
-          <p:nvPr>
-            <p:ph type="title"/>
-          </p:nvPr>
-        </p:nvSpPr>
-        <p:spPr/>
-        <p:txBody>
-          <a:bodyPr/>
-          <a:lstStyle/>
-          <a:p>
-            <a:pPr algn="ctr"/>
-            <a:r>
-              <a:rPr lang="ru-RU" dirty="0"/>
-              <a:t>Введение</a:t>
-            </a:r>
-          </a:p>
-        </p:txBody>
-      </p:sp>
-      <p:sp>
-        <p:nvSpPr>
-          <p:cNvPr id="8" name="Rectangle 3">
-            <a:extLst>
-              <a:ext uri="{FF2B5EF4-FFF2-40B4-BE49-F238E27FC236}">
-                <a16:creationId xmlns:a16="http://schemas.microsoft.com/office/drawing/2014/main" id="{B1423020-B4C2-427A-98FC-9823D90A80ED}"/>
-              </a:ext>
-            </a:extLst>
-          </p:cNvPr>
-          <p:cNvSpPr txBox="1">
-            <a:spLocks noChangeArrowheads="1"/>
-          </p:cNvSpPr>
-          <p:nvPr/>
-        </p:nvSpPr>
-        <p:spPr>
-          <a:xfrm>
-            <a:off x="457200" y="1627464"/>
-            <a:ext cx="8058150" cy="4728887"/>
-          </a:xfrm>
-          <a:prstGeom prst="rect">
-            <a:avLst/>
-          </a:prstGeom>
-        </p:spPr>
-        <p:txBody>
-          <a:bodyPr vert="horz" lIns="91440" tIns="45720" rIns="91440" bIns="45720" rtlCol="0">
-            <a:normAutofit/>
-          </a:bodyPr>
-          <a:lstStyle>
-            <a:lvl1pPr marL="228600" indent="-228600" algn="l" defTabSz="914400" rtl="0" eaLnBrk="1" latinLnBrk="0" hangingPunct="1">
-              <a:lnSpc>
-                <a:spcPct val="90000"/>
-              </a:lnSpc>
-              <a:spcBef>
-                <a:spcPts val="1000"/>
-              </a:spcBef>
-              <a:buFont typeface="Arial" panose="020B0604020202020204" pitchFamily="34" charset="0"/>
-              <a:buChar char="•"/>
-              <a:defRPr sz="2800" kern="1200">
-                <a:solidFill>
-                  <a:schemeClr val="tx1"/>
-                </a:solidFill>
-                <a:latin typeface="+mn-lt"/>
-                <a:ea typeface="+mn-ea"/>
-                <a:cs typeface="+mn-cs"/>
-              </a:defRPr>
-            </a:lvl1pPr>
-            <a:lvl2pPr marL="685800" indent="-228600" algn="l" defTabSz="914400" rtl="0" eaLnBrk="1" latinLnBrk="0" hangingPunct="1">
-              <a:lnSpc>
-                <a:spcPct val="90000"/>
-              </a:lnSpc>
-              <a:spcBef>
-                <a:spcPts val="500"/>
-              </a:spcBef>
-              <a:buFont typeface="Arial" panose="020B0604020202020204" pitchFamily="34" charset="0"/>
-              <a:buChar char="•"/>
-              <a:defRPr sz="2400" kern="1200">
-                <a:solidFill>
-                  <a:schemeClr val="tx1"/>
-                </a:solidFill>
-                <a:latin typeface="+mn-lt"/>
-                <a:ea typeface="+mn-ea"/>
-                <a:cs typeface="+mn-cs"/>
-              </a:defRPr>
-            </a:lvl2pPr>
-            <a:lvl3pPr marL="1143000" indent="-228600" algn="l" defTabSz="914400" rtl="0" eaLnBrk="1" latinLnBrk="0" hangingPunct="1">
-              <a:lnSpc>
-                <a:spcPct val="90000"/>
-              </a:lnSpc>
-              <a:spcBef>
-                <a:spcPts val="500"/>
-              </a:spcBef>
-              <a:buFont typeface="Arial" panose="020B0604020202020204" pitchFamily="34" charset="0"/>
-              <a:buChar char="•"/>
-              <a:defRPr sz="2000" kern="1200">
-                <a:solidFill>
-                  <a:schemeClr val="tx1"/>
-                </a:solidFill>
-                <a:latin typeface="+mn-lt"/>
-                <a:ea typeface="+mn-ea"/>
-                <a:cs typeface="+mn-cs"/>
-              </a:defRPr>
-            </a:lvl3pPr>
-            <a:lvl4pPr marL="1600200" indent="-228600" algn="l" defTabSz="914400" rtl="0" eaLnBrk="1" latinLnBrk="0" hangingPunct="1">
-              <a:lnSpc>
-                <a:spcPct val="90000"/>
-              </a:lnSpc>
-              <a:spcBef>
-                <a:spcPts val="500"/>
-              </a:spcBef>
-              <a:buFont typeface="Arial" panose="020B0604020202020204" pitchFamily="34" charset="0"/>
-              <a:buChar char="•"/>
-              <a:defRPr sz="1800" kern="1200">
-                <a:solidFill>
-                  <a:schemeClr val="tx1"/>
-                </a:solidFill>
-                <a:latin typeface="+mn-lt"/>
-                <a:ea typeface="+mn-ea"/>
-                <a:cs typeface="+mn-cs"/>
-              </a:defRPr>
-            </a:lvl4pPr>
-            <a:lvl5pPr marL="2057400" indent="-228600" algn="l" defTabSz="914400" rtl="0" eaLnBrk="1" latinLnBrk="0" hangingPunct="1">
-              <a:lnSpc>
-                <a:spcPct val="90000"/>
-              </a:lnSpc>
-              <a:spcBef>
-                <a:spcPts val="500"/>
-              </a:spcBef>
-              <a:buFont typeface="Arial" panose="020B0604020202020204" pitchFamily="34" charset="0"/>
-              <a:buChar char="•"/>
-              <a:defRPr sz="1800" kern="1200">
-                <a:solidFill>
-                  <a:schemeClr val="tx1"/>
-                </a:solidFill>
-                <a:latin typeface="+mn-lt"/>
-                <a:ea typeface="+mn-ea"/>
-                <a:cs typeface="+mn-cs"/>
-              </a:defRPr>
-            </a:lvl5pPr>
-            <a:lvl6pPr marL="2514600" indent="-228600" algn="l" defTabSz="914400" rtl="0" eaLnBrk="1" latinLnBrk="0" hangingPunct="1">
-              <a:lnSpc>
-                <a:spcPct val="90000"/>
-              </a:lnSpc>
-              <a:spcBef>
-                <a:spcPts val="500"/>
-              </a:spcBef>
-              <a:buFont typeface="Arial" panose="020B0604020202020204" pitchFamily="34" charset="0"/>
-              <a:buChar char="•"/>
-              <a:defRPr sz="1800" kern="1200">
-                <a:solidFill>
-                  <a:schemeClr val="tx1"/>
-                </a:solidFill>
-                <a:latin typeface="+mn-lt"/>
-                <a:ea typeface="+mn-ea"/>
-                <a:cs typeface="+mn-cs"/>
-              </a:defRPr>
-            </a:lvl6pPr>
-            <a:lvl7pPr marL="2971800" indent="-228600" algn="l" defTabSz="914400" rtl="0" eaLnBrk="1" latinLnBrk="0" hangingPunct="1">
-              <a:lnSpc>
-                <a:spcPct val="90000"/>
-              </a:lnSpc>
-              <a:spcBef>
-                <a:spcPts val="500"/>
-              </a:spcBef>
-              <a:buFont typeface="Arial" panose="020B0604020202020204" pitchFamily="34" charset="0"/>
-              <a:buChar char="•"/>
-              <a:defRPr sz="1800" kern="1200">
-                <a:solidFill>
-                  <a:schemeClr val="tx1"/>
-                </a:solidFill>
-                <a:latin typeface="+mn-lt"/>
-                <a:ea typeface="+mn-ea"/>
-                <a:cs typeface="+mn-cs"/>
-              </a:defRPr>
-            </a:lvl7pPr>
-            <a:lvl8pPr marL="3429000" indent="-228600" algn="l" defTabSz="914400" rtl="0" eaLnBrk="1" latinLnBrk="0" hangingPunct="1">
-              <a:lnSpc>
-                <a:spcPct val="90000"/>
-              </a:lnSpc>
-              <a:spcBef>
-                <a:spcPts val="500"/>
-              </a:spcBef>
-              <a:buFont typeface="Arial" panose="020B0604020202020204" pitchFamily="34" charset="0"/>
-              <a:buChar char="•"/>
-              <a:defRPr sz="1800" kern="1200">
-                <a:solidFill>
-                  <a:schemeClr val="tx1"/>
-                </a:solidFill>
-                <a:latin typeface="+mn-lt"/>
-                <a:ea typeface="+mn-ea"/>
-                <a:cs typeface="+mn-cs"/>
-              </a:defRPr>
-            </a:lvl8pPr>
-            <a:lvl9pPr marL="3886200" indent="-228600" algn="l" defTabSz="914400" rtl="0" eaLnBrk="1" latinLnBrk="0" hangingPunct="1">
-              <a:lnSpc>
-                <a:spcPct val="90000"/>
-              </a:lnSpc>
-              <a:spcBef>
-                <a:spcPts val="500"/>
-              </a:spcBef>
-              <a:buFont typeface="Arial" panose="020B0604020202020204" pitchFamily="34" charset="0"/>
-              <a:buChar char="•"/>
-              <a:defRPr sz="1800" kern="1200">
-                <a:solidFill>
-                  <a:schemeClr val="tx1"/>
-                </a:solidFill>
-                <a:latin typeface="+mn-lt"/>
-                <a:ea typeface="+mn-ea"/>
-                <a:cs typeface="+mn-cs"/>
-              </a:defRPr>
-            </a:lvl9pPr>
-          </a:lstStyle>
-          <a:p>
-            <a:pPr marL="357188" indent="-357188">
-              <a:buNone/>
-            </a:pPr>
-            <a:r>
-              <a:rPr lang="ru-RU" sz="3200" b="1" dirty="0">
-                <a:solidFill>
-                  <a:schemeClr val="tx2"/>
-                </a:solidFill>
-              </a:rPr>
-              <a:t>Введение</a:t>
-            </a:r>
-          </a:p>
-          <a:p>
-            <a:pPr marL="357188" indent="-357188">
-              <a:buNone/>
-            </a:pPr>
-            <a:endParaRPr lang="ru-RU" sz="2400" b="1" dirty="0">
-              <a:solidFill>
-                <a:schemeClr val="tx2"/>
-              </a:solidFill>
-            </a:endParaRPr>
-          </a:p>
-          <a:p>
-            <a:pPr marL="357188" indent="-357188">
-              <a:buNone/>
-            </a:pPr>
-            <a:r>
-              <a:rPr lang="ru-RU" sz="2400" b="1" dirty="0">
-                <a:solidFill>
-                  <a:schemeClr val="tx2"/>
-                </a:solidFill>
-              </a:rPr>
-              <a:t>Основные цели исследования временного ряда:</a:t>
-            </a:r>
-          </a:p>
-          <a:p>
-            <a:pPr marL="357188" indent="-357188">
-              <a:buNone/>
-            </a:pPr>
-            <a:endParaRPr lang="ru-RU" sz="2400" b="1" dirty="0">
-              <a:solidFill>
-                <a:schemeClr val="tx2"/>
-              </a:solidFill>
-            </a:endParaRPr>
-          </a:p>
-          <a:p>
-            <a:pPr marL="457200" indent="-457200">
-              <a:buAutoNum type="arabicPeriod"/>
-            </a:pPr>
-            <a:r>
-              <a:rPr lang="ru-RU" sz="2400" b="1" dirty="0">
-                <a:solidFill>
-                  <a:schemeClr val="tx2"/>
-                </a:solidFill>
-              </a:rPr>
-              <a:t>Определение природы ряда.</a:t>
-            </a:r>
-          </a:p>
-          <a:p>
-            <a:pPr marL="457200" indent="-457200">
-              <a:buAutoNum type="arabicPeriod"/>
-            </a:pPr>
-            <a:r>
-              <a:rPr lang="ru-RU" sz="2400" b="1" dirty="0">
-                <a:solidFill>
-                  <a:schemeClr val="tx2"/>
-                </a:solidFill>
-              </a:rPr>
-              <a:t>Прогнозирование – предсказание будущих значений по настоящим и прошлым значениям.</a:t>
-            </a:r>
-          </a:p>
-        </p:txBody>
-      </p:sp>
-    </p:spTree>
-    <p:extLst>
-      <p:ext uri="{BB962C8B-B14F-4D97-AF65-F5344CB8AC3E}">
-        <p14:creationId xmlns:p14="http://schemas.microsoft.com/office/powerpoint/2010/main" val="2060203030"/>
       </p:ext>
     </p:extLst>
   </p:cSld>
